--- a/Later/Spring/3_Architecture/Spring Framework - Architecture_V1.pptx
+++ b/Later/Spring/3_Architecture/Spring Framework - Architecture_V1.pptx
@@ -10626,7 +10626,7 @@
         <p:spPr>
           <a:xfrm>
             <a:off x="6334125" y="1600200"/>
-            <a:ext cx="2809875" cy="1152525"/>
+            <a:ext cx="2733675" cy="1152525"/>
           </a:xfrm>
           <a:prstGeom prst="wedgeRoundRectCallout">
             <a:avLst>
@@ -12305,7 +12305,7 @@
         <p:spPr>
           <a:xfrm>
             <a:off x="6334125" y="1600200"/>
-            <a:ext cx="2809875" cy="1152525"/>
+            <a:ext cx="2733675" cy="1152525"/>
           </a:xfrm>
           <a:prstGeom prst="wedgeRoundRectCallout">
             <a:avLst>
